--- a/PPT/第二部分 软件测试技术/3.8 黑盒测试技术 -因果图 .pptx
+++ b/PPT/第二部分 软件测试技术/3.8 黑盒测试技术 -因果图 .pptx
@@ -29036,7 +29036,24 @@
                 <a:latin typeface="+mn-lt"/>
                 <a:ea typeface="+mn-ea"/>
               </a:rPr>
-              <a:t>、输入条件之间的相互制约关系。这样虽然各种输入条件可能出错的情况已经测试到了，但多个输入条件组合起来可能出错的情况却被忽视了。</a:t>
+              <a:t>、</a:t>
+            </a:r>
+            <a:r>
+              <a:rPr lang="zh-CN" altLang="en-US" sz="2600" b="1" dirty="0">
+                <a:solidFill>
+                  <a:srgbClr val="FF0000"/>
+                </a:solidFill>
+                <a:latin typeface="+mn-lt"/>
+                <a:ea typeface="+mn-ea"/>
+              </a:rPr>
+              <a:t>输入条件之间的相互制约</a:t>
+            </a:r>
+            <a:r>
+              <a:rPr lang="zh-CN" altLang="en-US" sz="2600" b="1" dirty="0">
+                <a:latin typeface="+mn-lt"/>
+                <a:ea typeface="+mn-ea"/>
+              </a:rPr>
+              <a:t>关系。这样虽然各种输入条件可能出错的情况已经测试到了，但多个输入条件组合起来可能出错的情况却被忽视了。</a:t>
             </a:r>
             <a:endParaRPr lang="en-US" altLang="zh-CN" sz="2600" b="1" dirty="0">
               <a:latin typeface="+mn-lt"/>
